--- a/kafka-streams.pptx
+++ b/kafka-streams.pptx
@@ -2937,7 +2937,21 @@
               <a:latin typeface="Calibri" panose="020F0502020204030204" pitchFamily="34" charset="0"/>
               <a:cs typeface="Calibri" panose="020F0502020204030204" pitchFamily="34" charset="0"/>
             </a:rPr>
-            <a:t>Stateless transformation using map, filter etc</a:t>
+            <a:t>Stateless transformation using map, </a:t>
+          </a:r>
+          <a:r>
+            <a:rPr lang="en-GB" sz="1400" dirty="0" err="1">
+              <a:latin typeface="Calibri" panose="020F0502020204030204" pitchFamily="34" charset="0"/>
+              <a:cs typeface="Calibri" panose="020F0502020204030204" pitchFamily="34" charset="0"/>
+            </a:rPr>
+            <a:t>flatmap</a:t>
+          </a:r>
+          <a:r>
+            <a:rPr lang="en-GB" sz="1400" dirty="0">
+              <a:latin typeface="Calibri" panose="020F0502020204030204" pitchFamily="34" charset="0"/>
+              <a:cs typeface="Calibri" panose="020F0502020204030204" pitchFamily="34" charset="0"/>
+            </a:rPr>
+            <a:t>, filter etc</a:t>
           </a:r>
         </a:p>
       </dgm:t>
@@ -4038,7 +4052,21 @@
               <a:latin typeface="Calibri" panose="020F0502020204030204" pitchFamily="34" charset="0"/>
               <a:cs typeface="Calibri" panose="020F0502020204030204" pitchFamily="34" charset="0"/>
             </a:rPr>
-            <a:t>Stateless transformation using map, filter etc</a:t>
+            <a:t>Stateless transformation using map, </a:t>
+          </a:r>
+          <a:r>
+            <a:rPr lang="en-GB" sz="1400" kern="1200" dirty="0" err="1">
+              <a:latin typeface="Calibri" panose="020F0502020204030204" pitchFamily="34" charset="0"/>
+              <a:cs typeface="Calibri" panose="020F0502020204030204" pitchFamily="34" charset="0"/>
+            </a:rPr>
+            <a:t>flatmap</a:t>
+          </a:r>
+          <a:r>
+            <a:rPr lang="en-GB" sz="1400" kern="1200" dirty="0">
+              <a:latin typeface="Calibri" panose="020F0502020204030204" pitchFamily="34" charset="0"/>
+              <a:cs typeface="Calibri" panose="020F0502020204030204" pitchFamily="34" charset="0"/>
+            </a:rPr>
+            <a:t>, filter etc</a:t>
           </a:r>
         </a:p>
       </dsp:txBody>
@@ -9428,7 +9456,20 @@
           <a:bodyPr/>
           <a:lstStyle/>
           <a:p>
-            <a:endParaRPr lang="en-GB" noProof="0" dirty="0"/>
+            <a:r>
+              <a:rPr lang="en-GB" noProof="0" dirty="0"/>
+              <a:t>Low Latency</a:t>
+            </a:r>
+          </a:p>
+          <a:p>
+            <a:pPr marL="171450" indent="-171450">
+              <a:buFont typeface="Arial" panose="020B0604020202020204" pitchFamily="34" charset="0"/>
+              <a:buChar char="•"/>
+            </a:pPr>
+            <a:r>
+              <a:rPr lang="en-GB" noProof="0" dirty="0"/>
+              <a:t>Zero copy architecture. Directs kernel to directly copy data from kernel buffer to network by-passing the application. It reduces context switches between user and kernel</a:t>
+            </a:r>
           </a:p>
         </p:txBody>
       </p:sp>
@@ -26535,7 +26576,7 @@
           <p:nvPr>
             <p:extLst>
               <p:ext uri="{D42A27DB-BD31-4B8C-83A1-F6EECF244321}">
-                <p14:modId xmlns:p14="http://schemas.microsoft.com/office/powerpoint/2010/main" val="2358074000"/>
+                <p14:modId xmlns:p14="http://schemas.microsoft.com/office/powerpoint/2010/main" val="3384172655"/>
               </p:ext>
             </p:extLst>
           </p:nvPr>
@@ -26761,7 +26802,7 @@
         <p:spPr>
           <a:xfrm>
             <a:off x="1404594" y="2007909"/>
-            <a:ext cx="8352286" cy="4093428"/>
+            <a:ext cx="8352286" cy="4616648"/>
           </a:xfrm>
           <a:prstGeom prst="rect">
             <a:avLst/>
@@ -26812,7 +26853,7 @@
                 <a:latin typeface="Calibri" panose="020F0502020204030204" pitchFamily="34" charset="0"/>
                 <a:cs typeface="Calibri" panose="020F0502020204030204" pitchFamily="34" charset="0"/>
               </a:rPr>
-              <a:t>Kstream</a:t>
+              <a:t>KStream</a:t>
             </a:r>
             <a:r>
               <a:rPr lang="en-US" sz="1400" dirty="0">
@@ -26905,6 +26946,52 @@
               </a:rPr>
               <a:t>Take one record, modify the record key and value and produce one record</a:t>
             </a:r>
+          </a:p>
+          <a:p>
+            <a:pPr marL="457200" indent="-457200">
+              <a:buFont typeface="Arial" panose="020B0604020202020204" pitchFamily="34" charset="0"/>
+              <a:buChar char="•"/>
+            </a:pPr>
+            <a:r>
+              <a:rPr lang="en-US" sz="2800" dirty="0" err="1">
+                <a:solidFill>
+                  <a:schemeClr val="bg1"/>
+                </a:solidFill>
+                <a:latin typeface="Calibri" panose="020F0502020204030204" pitchFamily="34" charset="0"/>
+                <a:cs typeface="Calibri" panose="020F0502020204030204" pitchFamily="34" charset="0"/>
+              </a:rPr>
+              <a:t>FlatMap</a:t>
+            </a:r>
+            <a:endParaRPr lang="en-US" sz="2800" dirty="0">
+              <a:solidFill>
+                <a:schemeClr val="bg1"/>
+              </a:solidFill>
+              <a:latin typeface="Calibri" panose="020F0502020204030204" pitchFamily="34" charset="0"/>
+              <a:cs typeface="Calibri" panose="020F0502020204030204" pitchFamily="34" charset="0"/>
+            </a:endParaRPr>
+          </a:p>
+          <a:p>
+            <a:pPr marL="914400" lvl="1" indent="-457200">
+              <a:buFont typeface="Wingdings" pitchFamily="2" charset="2"/>
+              <a:buChar char="ü"/>
+            </a:pPr>
+            <a:r>
+              <a:rPr lang="en-US" sz="1400" dirty="0">
+                <a:solidFill>
+                  <a:schemeClr val="bg1"/>
+                </a:solidFill>
+                <a:latin typeface="Calibri" panose="020F0502020204030204" pitchFamily="34" charset="0"/>
+                <a:cs typeface="Calibri" panose="020F0502020204030204" pitchFamily="34" charset="0"/>
+              </a:rPr>
+              <a:t>Take one record, modify the record key and value and produce one or more records</a:t>
+            </a:r>
+            <a:endParaRPr lang="en-US" sz="2800" dirty="0">
+              <a:solidFill>
+                <a:schemeClr val="bg1"/>
+              </a:solidFill>
+              <a:latin typeface="Calibri" panose="020F0502020204030204" pitchFamily="34" charset="0"/>
+              <a:cs typeface="Calibri" panose="020F0502020204030204" pitchFamily="34" charset="0"/>
+            </a:endParaRPr>
           </a:p>
           <a:p>
             <a:pPr marL="457200" indent="-457200">
@@ -30636,7 +30723,7 @@
         </p:nvSpPr>
         <p:spPr>
           <a:xfrm>
-            <a:off x="3421930" y="4487159"/>
+            <a:off x="3367512" y="4416322"/>
             <a:ext cx="565608" cy="575035"/>
           </a:xfrm>
           <a:prstGeom prst="can">
@@ -30701,7 +30788,7 @@
         </p:nvSpPr>
         <p:spPr>
           <a:xfrm>
-            <a:off x="5005184" y="4481221"/>
+            <a:off x="5005184" y="4373559"/>
             <a:ext cx="565608" cy="575035"/>
           </a:xfrm>
           <a:prstGeom prst="can">
@@ -31547,6 +31634,19 @@
             </a:r>
           </a:p>
           <a:p>
+            <a:pPr marL="457200" indent="-457200">
+              <a:buFont typeface="Arial" panose="020B0604020202020204" pitchFamily="34" charset="0"/>
+              <a:buChar char="•"/>
+            </a:pPr>
+            <a:r>
+              <a:rPr lang="en-GB" dirty="0">
+                <a:latin typeface="Calibri" panose="020F0502020204030204" pitchFamily="34" charset="0"/>
+                <a:cs typeface="Calibri" panose="020F0502020204030204" pitchFamily="34" charset="0"/>
+              </a:rPr>
+              <a:t>Low-Latency</a:t>
+            </a:r>
+          </a:p>
+          <a:p>
             <a:pPr marL="457200" indent="-457200" rtl="0">
               <a:buFont typeface="Arial" panose="020B0604020202020204" pitchFamily="34" charset="0"/>
               <a:buChar char="•"/>
@@ -31557,19 +31657,6 @@
                 <a:cs typeface="Calibri" panose="020F0502020204030204" pitchFamily="34" charset="0"/>
               </a:rPr>
               <a:t>Scalability</a:t>
-            </a:r>
-          </a:p>
-          <a:p>
-            <a:pPr marL="457200" indent="-457200" rtl="0">
-              <a:buFont typeface="Arial" panose="020B0604020202020204" pitchFamily="34" charset="0"/>
-              <a:buChar char="•"/>
-            </a:pPr>
-            <a:r>
-              <a:rPr lang="en-GB" dirty="0">
-                <a:latin typeface="Calibri" panose="020F0502020204030204" pitchFamily="34" charset="0"/>
-                <a:cs typeface="Calibri" panose="020F0502020204030204" pitchFamily="34" charset="0"/>
-              </a:rPr>
-              <a:t>Low-Latency</a:t>
             </a:r>
           </a:p>
           <a:p>
@@ -41798,30 +41885,21 @@
                             </p:childTnLst>
                           </p:cTn>
                         </p:par>
-                      </p:childTnLst>
-                    </p:cTn>
-                  </p:par>
-                  <p:par>
-                    <p:cTn id="21" fill="hold">
-                      <p:stCondLst>
-                        <p:cond delay="indefinite"/>
-                      </p:stCondLst>
-                      <p:childTnLst>
                         <p:par>
-                          <p:cTn id="22" fill="hold">
+                          <p:cTn id="21" fill="hold">
                             <p:stCondLst>
-                              <p:cond delay="0"/>
+                              <p:cond delay="6100"/>
                             </p:stCondLst>
                             <p:childTnLst>
                               <p:par>
-                                <p:cTn id="23" presetID="1" presetClass="exit" presetSubtype="0" fill="hold" nodeType="clickEffect">
+                                <p:cTn id="22" presetID="1" presetClass="exit" presetSubtype="0" fill="hold" nodeType="afterEffect">
                                   <p:stCondLst>
                                     <p:cond delay="0"/>
                                   </p:stCondLst>
                                   <p:childTnLst>
                                     <p:set>
                                       <p:cBhvr>
-                                        <p:cTn id="24" dur="1" fill="hold">
+                                        <p:cTn id="23" dur="1" fill="hold">
                                           <p:stCondLst>
                                             <p:cond delay="0"/>
                                           </p:stCondLst>
@@ -41843,30 +41921,21 @@
                             </p:childTnLst>
                           </p:cTn>
                         </p:par>
-                      </p:childTnLst>
-                    </p:cTn>
-                  </p:par>
-                  <p:par>
-                    <p:cTn id="25" fill="hold">
-                      <p:stCondLst>
-                        <p:cond delay="indefinite"/>
-                      </p:stCondLst>
-                      <p:childTnLst>
                         <p:par>
-                          <p:cTn id="26" fill="hold">
+                          <p:cTn id="24" fill="hold">
                             <p:stCondLst>
-                              <p:cond delay="0"/>
+                              <p:cond delay="6100"/>
                             </p:stCondLst>
                             <p:childTnLst>
                               <p:par>
-                                <p:cTn id="27" presetID="9" presetClass="entr" presetSubtype="0" fill="hold" nodeType="clickEffect">
+                                <p:cTn id="25" presetID="9" presetClass="entr" presetSubtype="0" fill="hold" nodeType="afterEffect">
                                   <p:stCondLst>
                                     <p:cond delay="0"/>
                                   </p:stCondLst>
                                   <p:childTnLst>
                                     <p:set>
                                       <p:cBhvr>
-                                        <p:cTn id="28" dur="1" fill="hold">
+                                        <p:cTn id="26" dur="1" fill="hold">
                                           <p:stCondLst>
                                             <p:cond delay="0"/>
                                           </p:stCondLst>
@@ -41884,7 +41953,7 @@
                                     </p:set>
                                     <p:animEffect transition="in" filter="dissolve">
                                       <p:cBhvr>
-                                        <p:cTn id="29" dur="500"/>
+                                        <p:cTn id="27" dur="500"/>
                                         <p:tgtEl>
                                           <p:spTgt spid="96"/>
                                         </p:tgtEl>
@@ -41897,20 +41966,20 @@
                           </p:cTn>
                         </p:par>
                         <p:par>
-                          <p:cTn id="30" fill="hold">
+                          <p:cTn id="28" fill="hold">
                             <p:stCondLst>
-                              <p:cond delay="500"/>
+                              <p:cond delay="6600"/>
                             </p:stCondLst>
                             <p:childTnLst>
                               <p:par>
-                                <p:cTn id="31" presetID="48" presetClass="path" presetSubtype="0" accel="50000" decel="50000" fill="hold" grpId="0" nodeType="afterEffect">
+                                <p:cTn id="29" presetID="48" presetClass="path" presetSubtype="0" accel="50000" decel="50000" fill="hold" grpId="0" nodeType="afterEffect">
                                   <p:stCondLst>
                                     <p:cond delay="0"/>
                                   </p:stCondLst>
                                   <p:childTnLst>
                                     <p:animMotion origin="layout" path="M 0.06159 -0.00347 C 0.05312 0.00463 0.04336 0.01273 0.03919 0.02292 C 0.03489 0.03426 0.03281 0.04745 0.0306 0.06065 C 0.02851 0.07384 0.0306 0.08519 0.03281 0.09745 C 0.03489 0.10857 0.03802 0.12083 0.04557 0.13102 C 0.05195 0.1412 0.06263 0.14954 0.07435 0.15556 C 0.08502 0.16181 0.09779 0.16574 0.11055 0.16783 C 0.12331 0.16991 0.1362 0.16991 0.14792 0.16783 C 0.16068 0.16574 0.17239 0.16088 0.18203 0.15255 C 0.19154 0.14537 0.2 0.13634 0.2043 0.125 C 0.20976 0.11482 0.21185 0.1007 0.21185 0.08935 C 0.21302 0.07824 0.21185 0.06458 0.20638 0.05347 C 0.20117 0.04352 0.19154 0.03519 0.17877 0.03125 C 0.16601 0.02801 0.15312 0.03218 0.14466 0.03912 C 0.13724 0.04653 0.1319 0.05764 0.13086 0.07083 C 0.13086 0.08426 0.1319 0.0963 0.13724 0.10671 C 0.14258 0.1169 0.14154 0.11875 0.16289 0.13218 C 0.18203 0.14653 0.20117 0.14236 0.21302 0.14329 C 0.22461 0.14329 0.23424 0.13935 0.24596 0.13542 C 0.25872 0.13009 0.2694 0.12083 0.27682 0.11273 C 0.28424 0.10463 0.2875 0.09445 0.2918 0.07824 C 0.29505 0.06158 0.29505 0.05347 0.29505 0.0412 C 0.29505 0.02894 0.29505 0.01667 0.29505 0.00463 " pathEditMode="relative" rAng="0" ptsTypes="AAAAAAAAAAAAAAAAAAAAAAA">
                                       <p:cBhvr>
-                                        <p:cTn id="32" dur="2000" fill="hold"/>
+                                        <p:cTn id="30" dur="2000" fill="hold"/>
                                         <p:tgtEl>
                                           <p:spTgt spid="48"/>
                                         </p:tgtEl>
@@ -41927,30 +41996,21 @@
                             </p:childTnLst>
                           </p:cTn>
                         </p:par>
-                      </p:childTnLst>
-                    </p:cTn>
-                  </p:par>
-                  <p:par>
-                    <p:cTn id="33" fill="hold">
-                      <p:stCondLst>
-                        <p:cond delay="indefinite"/>
-                      </p:stCondLst>
-                      <p:childTnLst>
                         <p:par>
-                          <p:cTn id="34" fill="hold">
+                          <p:cTn id="31" fill="hold">
                             <p:stCondLst>
-                              <p:cond delay="0"/>
+                              <p:cond delay="8600"/>
                             </p:stCondLst>
                             <p:childTnLst>
                               <p:par>
-                                <p:cTn id="35" presetID="1" presetClass="exit" presetSubtype="0" fill="hold" nodeType="clickEffect">
+                                <p:cTn id="32" presetID="1" presetClass="exit" presetSubtype="0" fill="hold" nodeType="afterEffect">
                                   <p:stCondLst>
                                     <p:cond delay="0"/>
                                   </p:stCondLst>
                                   <p:childTnLst>
                                     <p:set>
                                       <p:cBhvr>
-                                        <p:cTn id="36" dur="1" fill="hold">
+                                        <p:cTn id="33" dur="1" fill="hold">
                                           <p:stCondLst>
                                             <p:cond delay="0"/>
                                           </p:stCondLst>
@@ -41972,30 +42032,21 @@
                             </p:childTnLst>
                           </p:cTn>
                         </p:par>
-                      </p:childTnLst>
-                    </p:cTn>
-                  </p:par>
-                  <p:par>
-                    <p:cTn id="37" fill="hold">
-                      <p:stCondLst>
-                        <p:cond delay="indefinite"/>
-                      </p:stCondLst>
-                      <p:childTnLst>
                         <p:par>
-                          <p:cTn id="38" fill="hold">
+                          <p:cTn id="34" fill="hold">
                             <p:stCondLst>
-                              <p:cond delay="0"/>
+                              <p:cond delay="8600"/>
                             </p:stCondLst>
                             <p:childTnLst>
                               <p:par>
-                                <p:cTn id="39" presetID="9" presetClass="entr" presetSubtype="0" fill="hold" nodeType="clickEffect">
+                                <p:cTn id="35" presetID="9" presetClass="entr" presetSubtype="0" fill="hold" nodeType="afterEffect">
                                   <p:stCondLst>
                                     <p:cond delay="0"/>
                                   </p:stCondLst>
                                   <p:childTnLst>
                                     <p:set>
                                       <p:cBhvr>
-                                        <p:cTn id="40" dur="1" fill="hold">
+                                        <p:cTn id="36" dur="1" fill="hold">
                                           <p:stCondLst>
                                             <p:cond delay="0"/>
                                           </p:stCondLst>
@@ -42013,7 +42064,7 @@
                                     </p:set>
                                     <p:animEffect transition="in" filter="dissolve">
                                       <p:cBhvr>
-                                        <p:cTn id="41" dur="500"/>
+                                        <p:cTn id="37" dur="500"/>
                                         <p:tgtEl>
                                           <p:spTgt spid="100"/>
                                         </p:tgtEl>
@@ -42174,6 +42225,30 @@
             </a:r>
           </a:p>
           <a:p>
+            <a:pPr marL="914400" lvl="1" indent="-457200">
+              <a:buFont typeface="Arial" panose="020B0604020202020204" pitchFamily="34" charset="0"/>
+              <a:buChar char="•"/>
+            </a:pPr>
+            <a:r>
+              <a:rPr lang="en-US" dirty="0">
+                <a:latin typeface="Calibri" panose="020F0502020204030204" pitchFamily="34" charset="0"/>
+                <a:cs typeface="Calibri" panose="020F0502020204030204" pitchFamily="34" charset="0"/>
+              </a:rPr>
+              <a:t>Allows applications to send and read streams of data to/from </a:t>
+            </a:r>
+            <a:r>
+              <a:rPr lang="en-US" dirty="0" err="1">
+                <a:latin typeface="Calibri" panose="020F0502020204030204" pitchFamily="34" charset="0"/>
+                <a:cs typeface="Calibri" panose="020F0502020204030204" pitchFamily="34" charset="0"/>
+              </a:rPr>
+              <a:t>kafka</a:t>
+            </a:r>
+            <a:endParaRPr lang="en-US" dirty="0">
+              <a:latin typeface="Calibri" panose="020F0502020204030204" pitchFamily="34" charset="0"/>
+              <a:cs typeface="Calibri" panose="020F0502020204030204" pitchFamily="34" charset="0"/>
+            </a:endParaRPr>
+          </a:p>
+          <a:p>
             <a:pPr marL="457200" indent="-457200">
               <a:buFont typeface="Arial" panose="020B0604020202020204" pitchFamily="34" charset="0"/>
               <a:buChar char="•"/>
@@ -42187,6 +42262,19 @@
             </a:r>
           </a:p>
           <a:p>
+            <a:pPr marL="914400" lvl="1" indent="-457200">
+              <a:buFont typeface="Arial" panose="020B0604020202020204" pitchFamily="34" charset="0"/>
+              <a:buChar char="•"/>
+            </a:pPr>
+            <a:r>
+              <a:rPr lang="en-US" dirty="0">
+                <a:latin typeface="Calibri" panose="020F0502020204030204" pitchFamily="34" charset="0"/>
+                <a:cs typeface="Calibri" panose="020F0502020204030204" pitchFamily="34" charset="0"/>
+              </a:rPr>
+              <a:t>Allows transforming data streams from input to output topics</a:t>
+            </a:r>
+          </a:p>
+          <a:p>
             <a:pPr marL="457200" indent="-457200">
               <a:buFont typeface="Arial" panose="020B0604020202020204" pitchFamily="34" charset="0"/>
               <a:buChar char="•"/>
@@ -42198,6 +42286,70 @@
               </a:rPr>
               <a:t>Connector API</a:t>
             </a:r>
+          </a:p>
+          <a:p>
+            <a:pPr marL="914400" lvl="1" indent="-457200">
+              <a:buFont typeface="Arial" panose="020B0604020202020204" pitchFamily="34" charset="0"/>
+              <a:buChar char="•"/>
+            </a:pPr>
+            <a:r>
+              <a:rPr lang="en-US" dirty="0">
+                <a:latin typeface="Calibri" panose="020F0502020204030204" pitchFamily="34" charset="0"/>
+                <a:cs typeface="Calibri" panose="020F0502020204030204" pitchFamily="34" charset="0"/>
+              </a:rPr>
+              <a:t>Allows to pull data from source system and write data to sink system</a:t>
+            </a:r>
+          </a:p>
+          <a:p>
+            <a:pPr marL="457200" indent="-457200">
+              <a:buFont typeface="Arial" panose="020B0604020202020204" pitchFamily="34" charset="0"/>
+              <a:buChar char="•"/>
+            </a:pPr>
+            <a:r>
+              <a:rPr lang="en-US" dirty="0">
+                <a:latin typeface="Calibri" panose="020F0502020204030204" pitchFamily="34" charset="0"/>
+                <a:cs typeface="Calibri" panose="020F0502020204030204" pitchFamily="34" charset="0"/>
+              </a:rPr>
+              <a:t>Admin API</a:t>
+            </a:r>
+          </a:p>
+          <a:p>
+            <a:pPr marL="914400" lvl="1" indent="-457200">
+              <a:buFont typeface="Arial" panose="020B0604020202020204" pitchFamily="34" charset="0"/>
+              <a:buChar char="•"/>
+            </a:pPr>
+            <a:r>
+              <a:rPr lang="en-US" dirty="0">
+                <a:latin typeface="Calibri" panose="020F0502020204030204" pitchFamily="34" charset="0"/>
+                <a:cs typeface="Calibri" panose="020F0502020204030204" pitchFamily="34" charset="0"/>
+              </a:rPr>
+              <a:t>Allows managing and inspecting topics, brokers, </a:t>
+            </a:r>
+            <a:r>
+              <a:rPr lang="en-US" dirty="0" err="1">
+                <a:latin typeface="Calibri" panose="020F0502020204030204" pitchFamily="34" charset="0"/>
+                <a:cs typeface="Calibri" panose="020F0502020204030204" pitchFamily="34" charset="0"/>
+              </a:rPr>
+              <a:t>acls</a:t>
+            </a:r>
+            <a:r>
+              <a:rPr lang="en-US" dirty="0">
+                <a:latin typeface="Calibri" panose="020F0502020204030204" pitchFamily="34" charset="0"/>
+                <a:cs typeface="Calibri" panose="020F0502020204030204" pitchFamily="34" charset="0"/>
+              </a:rPr>
+              <a:t> </a:t>
+            </a:r>
+            <a:r>
+              <a:rPr lang="en-US" dirty="0" err="1">
+                <a:latin typeface="Calibri" panose="020F0502020204030204" pitchFamily="34" charset="0"/>
+                <a:cs typeface="Calibri" panose="020F0502020204030204" pitchFamily="34" charset="0"/>
+              </a:rPr>
+              <a:t>etc</a:t>
+            </a:r>
+            <a:endParaRPr lang="en-US" dirty="0">
+              <a:latin typeface="Calibri" panose="020F0502020204030204" pitchFamily="34" charset="0"/>
+              <a:cs typeface="Calibri" panose="020F0502020204030204" pitchFamily="34" charset="0"/>
+            </a:endParaRPr>
           </a:p>
         </p:txBody>
       </p:sp>
@@ -42217,6 +42369,41 @@
 <file path=ppt/slides/slide7.xml><?xml version="1.0" encoding="utf-8"?>
 <p:sld xmlns:a="http://schemas.openxmlformats.org/drawingml/2006/main" xmlns:r="http://schemas.openxmlformats.org/officeDocument/2006/relationships" xmlns:p="http://schemas.openxmlformats.org/presentationml/2006/main">
   <p:cSld>
+    <p:bg>
+      <p:bgPr>
+        <a:gradFill flip="none" rotWithShape="1">
+          <a:gsLst>
+            <a:gs pos="0">
+              <a:schemeClr val="accent1">
+                <a:lumMod val="5000"/>
+                <a:lumOff val="95000"/>
+              </a:schemeClr>
+            </a:gs>
+            <a:gs pos="74000">
+              <a:schemeClr val="accent1">
+                <a:lumMod val="45000"/>
+                <a:lumOff val="55000"/>
+              </a:schemeClr>
+            </a:gs>
+            <a:gs pos="83000">
+              <a:schemeClr val="accent1">
+                <a:lumMod val="45000"/>
+                <a:lumOff val="55000"/>
+              </a:schemeClr>
+            </a:gs>
+            <a:gs pos="100000">
+              <a:schemeClr val="accent1">
+                <a:lumMod val="30000"/>
+                <a:lumOff val="70000"/>
+              </a:schemeClr>
+            </a:gs>
+          </a:gsLst>
+          <a:lin ang="5400000" scaled="1"/>
+          <a:tileRect/>
+        </a:gradFill>
+        <a:effectLst/>
+      </p:bgPr>
+    </p:bg>
     <p:spTree>
       <p:nvGrpSpPr>
         <p:cNvPr id="1" name=""/>
@@ -42261,17 +42448,17 @@
           <a:p>
             <a:pPr rtl="0"/>
             <a:r>
-              <a:rPr lang="en-IN" sz="1800" b="0" i="1" dirty="0">
+              <a:rPr lang="en-IN" sz="2400" b="0" i="1" u="none" strike="noStrike" dirty="0">
                 <a:solidFill>
-                  <a:srgbClr val="000000"/>
+                  <a:srgbClr val="212121"/>
                 </a:solidFill>
                 <a:effectLst/>
                 <a:latin typeface="Calibri" panose="020F0502020204030204" pitchFamily="34" charset="0"/>
                 <a:cs typeface="Calibri" panose="020F0502020204030204" pitchFamily="34" charset="0"/>
               </a:rPr>
-              <a:t>Kafka Streams is a library for building streaming applications, specifically applications that transform input Kafka topics into output Kafka topics (or calls to external services, or updates to databases, or whatever). It lets you do this with concise code in a way that is distributed and fault-tolerant. </a:t>
+              <a:t>Kafka Streams is a library for building real-time data processing systems that are scalable, fault-tolerant, and highly available. It is built on top of Apache Kafka, a distributed streaming platform that is used for building real-time data pipelines and streaming applications.</a:t>
             </a:r>
-            <a:endParaRPr lang="en-GB" sz="1800" i="1" dirty="0">
+            <a:endParaRPr lang="en-GB" sz="2400" i="1" dirty="0">
               <a:latin typeface="Calibri" panose="020F0502020204030204" pitchFamily="34" charset="0"/>
               <a:cs typeface="Calibri" panose="020F0502020204030204" pitchFamily="34" charset="0"/>
             </a:endParaRPr>
@@ -42403,41 +42590,25 @@
           <a:bodyPr/>
           <a:lstStyle/>
           <a:p>
+            <a:pPr algn="ctr"/>
             <a:r>
-              <a:rPr lang="en-US" dirty="0">
+              <a:rPr lang="en-US" b="1" i="1" dirty="0">
                 <a:latin typeface="Calibri" panose="020F0502020204030204" pitchFamily="34" charset="0"/>
                 <a:cs typeface="Calibri" panose="020F0502020204030204" pitchFamily="34" charset="0"/>
               </a:rPr>
-              <a:t>https://</a:t>
+              <a:t>Source: </a:t>
             </a:r>
             <a:r>
-              <a:rPr lang="en-US" dirty="0" err="1">
+              <a:rPr lang="en-US" b="1" i="1" dirty="0" err="1">
                 <a:latin typeface="Calibri" panose="020F0502020204030204" pitchFamily="34" charset="0"/>
                 <a:cs typeface="Calibri" panose="020F0502020204030204" pitchFamily="34" charset="0"/>
               </a:rPr>
-              <a:t>www.confluent.io</a:t>
+              <a:t>ChatGPT</a:t>
             </a:r>
-            <a:r>
-              <a:rPr lang="en-US" dirty="0">
-                <a:latin typeface="Calibri" panose="020F0502020204030204" pitchFamily="34" charset="0"/>
-                <a:cs typeface="Calibri" panose="020F0502020204030204" pitchFamily="34" charset="0"/>
-              </a:rPr>
-              <a:t>/blog/introducing-</a:t>
-            </a:r>
-            <a:r>
-              <a:rPr lang="en-US" dirty="0" err="1">
-                <a:latin typeface="Calibri" panose="020F0502020204030204" pitchFamily="34" charset="0"/>
-                <a:cs typeface="Calibri" panose="020F0502020204030204" pitchFamily="34" charset="0"/>
-              </a:rPr>
-              <a:t>kafka</a:t>
-            </a:r>
-            <a:r>
-              <a:rPr lang="en-US" dirty="0">
-                <a:latin typeface="Calibri" panose="020F0502020204030204" pitchFamily="34" charset="0"/>
-                <a:cs typeface="Calibri" panose="020F0502020204030204" pitchFamily="34" charset="0"/>
-              </a:rPr>
-              <a:t>-streams-stream-processing-made-simple/</a:t>
-            </a:r>
+            <a:endParaRPr lang="en-US" b="1" i="1" dirty="0">
+              <a:latin typeface="Calibri" panose="020F0502020204030204" pitchFamily="34" charset="0"/>
+              <a:cs typeface="Calibri" panose="020F0502020204030204" pitchFamily="34" charset="0"/>
+            </a:endParaRPr>
           </a:p>
         </p:txBody>
       </p:sp>
@@ -42559,7 +42730,7 @@
           <p:nvPr>
             <p:extLst>
               <p:ext uri="{D42A27DB-BD31-4B8C-83A1-F6EECF244321}">
-                <p14:modId xmlns:p14="http://schemas.microsoft.com/office/powerpoint/2010/main" val="3776905450"/>
+                <p14:modId xmlns:p14="http://schemas.microsoft.com/office/powerpoint/2010/main" val="1106857605"/>
               </p:ext>
             </p:extLst>
           </p:nvPr>
@@ -42672,7 +42843,7 @@
                           <a:latin typeface="Calibri" panose="020F0502020204030204" pitchFamily="34" charset="0"/>
                           <a:cs typeface="Calibri" panose="020F0502020204030204" pitchFamily="34" charset="0"/>
                         </a:rPr>
-                        <a:t> stream can consume and produce</a:t>
+                        <a:t> stream topology can consume and produce</a:t>
                       </a:r>
                     </a:p>
                   </a:txBody>
@@ -42992,7 +43163,7 @@
         <p:spPr>
           <a:xfrm>
             <a:off x="1140643" y="2139885"/>
-            <a:ext cx="5484515" cy="2677656"/>
+            <a:ext cx="5724644" cy="4370427"/>
           </a:xfrm>
           <a:prstGeom prst="rect">
             <a:avLst/>
@@ -43060,7 +43231,50 @@
               </a:rPr>
               <a:t> is defined as a key-value pair</a:t>
             </a:r>
+          </a:p>
+          <a:p>
+            <a:pPr lvl="1"/>
             <a:endParaRPr lang="en-US" sz="2800" dirty="0">
+              <a:latin typeface="Calibri" panose="020F0502020204030204" pitchFamily="34" charset="0"/>
+              <a:cs typeface="Calibri" panose="020F0502020204030204" pitchFamily="34" charset="0"/>
+            </a:endParaRPr>
+          </a:p>
+          <a:p>
+            <a:pPr marL="285750" indent="-285750">
+              <a:buFont typeface="Arial" panose="020B0604020202020204" pitchFamily="34" charset="0"/>
+              <a:buChar char="•"/>
+            </a:pPr>
+            <a:r>
+              <a:rPr lang="en-US" sz="2800" dirty="0">
+                <a:latin typeface="Calibri" panose="020F0502020204030204" pitchFamily="34" charset="0"/>
+                <a:cs typeface="Calibri" panose="020F0502020204030204" pitchFamily="34" charset="0"/>
+              </a:rPr>
+              <a:t>Stream Topology</a:t>
+            </a:r>
+          </a:p>
+          <a:p>
+            <a:pPr lvl="1"/>
+            <a:r>
+              <a:rPr lang="en-US" dirty="0">
+                <a:latin typeface="Calibri" panose="020F0502020204030204" pitchFamily="34" charset="0"/>
+                <a:cs typeface="Calibri" panose="020F0502020204030204" pitchFamily="34" charset="0"/>
+              </a:rPr>
+              <a:t>Directed graph of processing nodes which defines the </a:t>
+            </a:r>
+          </a:p>
+          <a:p>
+            <a:pPr lvl="1"/>
+            <a:r>
+              <a:rPr lang="en-US" dirty="0">
+                <a:latin typeface="Calibri" panose="020F0502020204030204" pitchFamily="34" charset="0"/>
+                <a:cs typeface="Calibri" panose="020F0502020204030204" pitchFamily="34" charset="0"/>
+              </a:rPr>
+              <a:t>data flow of a stream processing application</a:t>
+            </a:r>
+          </a:p>
+          <a:p>
+            <a:pPr lvl="1"/>
+            <a:endParaRPr lang="en-US" dirty="0">
               <a:latin typeface="Calibri" panose="020F0502020204030204" pitchFamily="34" charset="0"/>
               <a:cs typeface="Calibri" panose="020F0502020204030204" pitchFamily="34" charset="0"/>
             </a:endParaRPr>
